--- a/chanchithei_EA_Cardgame.pptx
+++ b/chanchithei_EA_Cardgame.pptx
@@ -223,7 +223,7 @@
           <a:p>
             <a:fld id="{0676B9A4-D2AB-4EC4-8D61-6EA1A15D7C1D}" type="datetimeFigureOut">
               <a:rPr lang="en-US"/>
-              <a:t>12/4/2023</a:t>
+              <a:t>12/8/2023</a:t>
             </a:fld>
             <a:endParaRPr lang="en-US"/>
           </a:p>
@@ -619,7 +619,7 @@
           <a:p>
             <a:fld id="{846CE7D5-CF57-46EF-B807-FDD0502418D4}" type="datetimeFigureOut">
               <a:rPr lang="en-US" smtClean="0"/>
-              <a:t>12/4/2023</a:t>
+              <a:t>12/8/2023</a:t>
             </a:fld>
             <a:endParaRPr lang="en-US"/>
           </a:p>
@@ -787,7 +787,7 @@
           <a:p>
             <a:fld id="{846CE7D5-CF57-46EF-B807-FDD0502418D4}" type="datetimeFigureOut">
               <a:rPr lang="en-US" smtClean="0"/>
-              <a:t>12/4/2023</a:t>
+              <a:t>12/8/2023</a:t>
             </a:fld>
             <a:endParaRPr lang="en-US"/>
           </a:p>
@@ -965,7 +965,7 @@
           <a:p>
             <a:fld id="{846CE7D5-CF57-46EF-B807-FDD0502418D4}" type="datetimeFigureOut">
               <a:rPr lang="en-US" smtClean="0"/>
-              <a:t>12/4/2023</a:t>
+              <a:t>12/8/2023</a:t>
             </a:fld>
             <a:endParaRPr lang="en-US"/>
           </a:p>
@@ -1133,7 +1133,7 @@
           <a:p>
             <a:fld id="{846CE7D5-CF57-46EF-B807-FDD0502418D4}" type="datetimeFigureOut">
               <a:rPr lang="en-US" smtClean="0"/>
-              <a:t>12/4/2023</a:t>
+              <a:t>12/8/2023</a:t>
             </a:fld>
             <a:endParaRPr lang="en-US"/>
           </a:p>
@@ -1378,7 +1378,7 @@
           <a:p>
             <a:fld id="{846CE7D5-CF57-46EF-B807-FDD0502418D4}" type="datetimeFigureOut">
               <a:rPr lang="en-US" smtClean="0"/>
-              <a:t>12/4/2023</a:t>
+              <a:t>12/8/2023</a:t>
             </a:fld>
             <a:endParaRPr lang="en-US"/>
           </a:p>
@@ -1607,7 +1607,7 @@
           <a:p>
             <a:fld id="{846CE7D5-CF57-46EF-B807-FDD0502418D4}" type="datetimeFigureOut">
               <a:rPr lang="en-US" smtClean="0"/>
-              <a:t>12/4/2023</a:t>
+              <a:t>12/8/2023</a:t>
             </a:fld>
             <a:endParaRPr lang="en-US"/>
           </a:p>
@@ -1971,7 +1971,7 @@
           <a:p>
             <a:fld id="{846CE7D5-CF57-46EF-B807-FDD0502418D4}" type="datetimeFigureOut">
               <a:rPr lang="en-US" smtClean="0"/>
-              <a:t>12/4/2023</a:t>
+              <a:t>12/8/2023</a:t>
             </a:fld>
             <a:endParaRPr lang="en-US"/>
           </a:p>
@@ -2088,7 +2088,7 @@
           <a:p>
             <a:fld id="{846CE7D5-CF57-46EF-B807-FDD0502418D4}" type="datetimeFigureOut">
               <a:rPr lang="en-US" smtClean="0"/>
-              <a:t>12/4/2023</a:t>
+              <a:t>12/8/2023</a:t>
             </a:fld>
             <a:endParaRPr lang="en-US"/>
           </a:p>
@@ -2183,7 +2183,7 @@
           <a:p>
             <a:fld id="{846CE7D5-CF57-46EF-B807-FDD0502418D4}" type="datetimeFigureOut">
               <a:rPr lang="en-US" smtClean="0"/>
-              <a:t>12/4/2023</a:t>
+              <a:t>12/8/2023</a:t>
             </a:fld>
             <a:endParaRPr lang="en-US"/>
           </a:p>
@@ -2458,7 +2458,7 @@
           <a:p>
             <a:fld id="{846CE7D5-CF57-46EF-B807-FDD0502418D4}" type="datetimeFigureOut">
               <a:rPr lang="en-US" smtClean="0"/>
-              <a:t>12/4/2023</a:t>
+              <a:t>12/8/2023</a:t>
             </a:fld>
             <a:endParaRPr lang="en-US"/>
           </a:p>
@@ -2713,7 +2713,7 @@
           <a:p>
             <a:fld id="{846CE7D5-CF57-46EF-B807-FDD0502418D4}" type="datetimeFigureOut">
               <a:rPr lang="en-US" smtClean="0"/>
-              <a:t>12/4/2023</a:t>
+              <a:t>12/8/2023</a:t>
             </a:fld>
             <a:endParaRPr lang="en-US"/>
           </a:p>
@@ -2924,7 +2924,7 @@
           <a:p>
             <a:fld id="{846CE7D5-CF57-46EF-B807-FDD0502418D4}" type="datetimeFigureOut">
               <a:rPr lang="en-US" smtClean="0"/>
-              <a:t>12/4/2023</a:t>
+              <a:t>12/8/2023</a:t>
             </a:fld>
             <a:endParaRPr lang="en-US"/>
           </a:p>
@@ -5747,20 +5747,7 @@
                 <a:latin typeface="Aharoni"/>
                 <a:cs typeface="Calibri"/>
               </a:rPr>
-              <a:t>Doing so can garner their </a:t>
-            </a:r>
-            <a:r>
-              <a:rPr lang="en-US" sz="3600" dirty="0" err="1">
-                <a:solidFill>
-                  <a:schemeClr val="bg1"/>
-                </a:solidFill>
-                <a:highlight>
-                  <a:srgbClr val="FFFF00"/>
-                </a:highlight>
-                <a:latin typeface="Aharoni"/>
-                <a:cs typeface="Calibri"/>
-              </a:rPr>
-              <a:t>creativites</a:t>
+              <a:t>Doing so can garner their awareness of compatibility between foods.</a:t>
             </a:r>
             <a:endParaRPr lang="en-US" sz="3600" dirty="0">
               <a:solidFill>
